--- a/project_3/NLP_Classification.pptx
+++ b/project_3/NLP_Classification.pptx
@@ -5,21 +5,23 @@
     <p:sldMasterId id="2147483672" r:id="rId1"/>
   </p:sldMasterIdLst>
   <p:notesMasterIdLst>
-    <p:notesMasterId r:id="rId14"/>
+    <p:notesMasterId r:id="rId16"/>
   </p:notesMasterIdLst>
   <p:sldIdLst>
     <p:sldId id="332" r:id="rId2"/>
     <p:sldId id="333" r:id="rId3"/>
-    <p:sldId id="345" r:id="rId4"/>
-    <p:sldId id="335" r:id="rId5"/>
-    <p:sldId id="336" r:id="rId6"/>
-    <p:sldId id="337" r:id="rId7"/>
-    <p:sldId id="347" r:id="rId8"/>
-    <p:sldId id="341" r:id="rId9"/>
-    <p:sldId id="342" r:id="rId10"/>
-    <p:sldId id="343" r:id="rId11"/>
-    <p:sldId id="346" r:id="rId12"/>
-    <p:sldId id="344" r:id="rId13"/>
+    <p:sldId id="349" r:id="rId4"/>
+    <p:sldId id="345" r:id="rId5"/>
+    <p:sldId id="335" r:id="rId6"/>
+    <p:sldId id="336" r:id="rId7"/>
+    <p:sldId id="337" r:id="rId8"/>
+    <p:sldId id="347" r:id="rId9"/>
+    <p:sldId id="341" r:id="rId10"/>
+    <p:sldId id="342" r:id="rId11"/>
+    <p:sldId id="348" r:id="rId12"/>
+    <p:sldId id="343" r:id="rId13"/>
+    <p:sldId id="346" r:id="rId14"/>
+    <p:sldId id="344" r:id="rId15"/>
   </p:sldIdLst>
   <p:sldSz cx="9144000" cy="6858000" type="screen4x3"/>
   <p:notesSz cx="6858000" cy="9144000"/>
@@ -125,6 +127,7 @@
           <p14:sldIdLst>
             <p14:sldId id="332"/>
             <p14:sldId id="333"/>
+            <p14:sldId id="349"/>
             <p14:sldId id="345"/>
           </p14:sldIdLst>
         </p14:section>
@@ -136,6 +139,7 @@
             <p14:sldId id="347"/>
             <p14:sldId id="341"/>
             <p14:sldId id="342"/>
+            <p14:sldId id="348"/>
             <p14:sldId id="343"/>
             <p14:sldId id="346"/>
             <p14:sldId id="344"/>
@@ -8222,6 +8226,481 @@
           <p:cNvPr id="2" name="Title 1">
             <a:extLst>
               <a:ext uri="{FF2B5EF4-FFF2-40B4-BE49-F238E27FC236}">
+                <a16:creationId xmlns:a16="http://schemas.microsoft.com/office/drawing/2014/main" id="{D42ADC00-9ED8-44EA-A034-449F691F811C}"/>
+              </a:ext>
+            </a:extLst>
+          </p:cNvPr>
+          <p:cNvSpPr>
+            <a:spLocks noGrp="1"/>
+          </p:cNvSpPr>
+          <p:nvPr>
+            <p:ph type="title"/>
+          </p:nvPr>
+        </p:nvSpPr>
+        <p:spPr>
+          <a:xfrm>
+            <a:off x="457200" y="845840"/>
+            <a:ext cx="4087615" cy="1143000"/>
+          </a:xfrm>
+        </p:spPr>
+        <p:txBody>
+          <a:bodyPr>
+            <a:normAutofit/>
+          </a:bodyPr>
+          <a:lstStyle/>
+          <a:p>
+            <a:r>
+              <a:rPr lang="en-SG" sz="2800" b="1" dirty="0">
+                <a:latin typeface="Calibri" panose="020F0502020204030204" pitchFamily="34" charset="0"/>
+                <a:cs typeface="Calibri" panose="020F0502020204030204" pitchFamily="34" charset="0"/>
+              </a:rPr>
+              <a:t>Confusion Matrix of Logistic Regression</a:t>
+            </a:r>
+          </a:p>
+        </p:txBody>
+      </p:sp>
+      <p:pic>
+        <p:nvPicPr>
+          <p:cNvPr id="4098" name="Picture 2">
+            <a:extLst>
+              <a:ext uri="{FF2B5EF4-FFF2-40B4-BE49-F238E27FC236}">
+                <a16:creationId xmlns:a16="http://schemas.microsoft.com/office/drawing/2014/main" id="{4921F2CD-D45A-4952-9C3F-1F24D9B33C5B}"/>
+              </a:ext>
+            </a:extLst>
+          </p:cNvPr>
+          <p:cNvPicPr>
+            <a:picLocks noChangeAspect="1" noChangeArrowheads="1"/>
+          </p:cNvPicPr>
+          <p:nvPr/>
+        </p:nvPicPr>
+        <p:blipFill>
+          <a:blip r:embed="rId2">
+            <a:extLst>
+              <a:ext uri="{28A0092B-C50C-407E-A947-70E740481C1C}">
+                <a14:useLocalDpi xmlns:a14="http://schemas.microsoft.com/office/drawing/2010/main" val="0"/>
+              </a:ext>
+            </a:extLst>
+          </a:blip>
+          <a:srcRect/>
+          <a:stretch>
+            <a:fillRect/>
+          </a:stretch>
+        </p:blipFill>
+        <p:spPr bwMode="auto">
+          <a:xfrm>
+            <a:off x="733150" y="1666726"/>
+            <a:ext cx="3057525" cy="2647950"/>
+          </a:xfrm>
+          <a:prstGeom prst="rect">
+            <a:avLst/>
+          </a:prstGeom>
+          <a:noFill/>
+          <a:extLst>
+            <a:ext uri="{909E8E84-426E-40DD-AFC4-6F175D3DCCD1}">
+              <a14:hiddenFill xmlns:a14="http://schemas.microsoft.com/office/drawing/2010/main">
+                <a:solidFill>
+                  <a:srgbClr val="FFFFFF"/>
+                </a:solidFill>
+              </a14:hiddenFill>
+            </a:ext>
+          </a:extLst>
+        </p:spPr>
+      </p:pic>
+      <p:pic>
+        <p:nvPicPr>
+          <p:cNvPr id="4100" name="Picture 4">
+            <a:extLst>
+              <a:ext uri="{FF2B5EF4-FFF2-40B4-BE49-F238E27FC236}">
+                <a16:creationId xmlns:a16="http://schemas.microsoft.com/office/drawing/2014/main" id="{199DAB07-A253-4156-A508-0D258C8B3899}"/>
+              </a:ext>
+            </a:extLst>
+          </p:cNvPr>
+          <p:cNvPicPr>
+            <a:picLocks noChangeAspect="1" noChangeArrowheads="1"/>
+          </p:cNvPicPr>
+          <p:nvPr/>
+        </p:nvPicPr>
+        <p:blipFill>
+          <a:blip r:embed="rId3">
+            <a:extLst>
+              <a:ext uri="{28A0092B-C50C-407E-A947-70E740481C1C}">
+                <a14:useLocalDpi xmlns:a14="http://schemas.microsoft.com/office/drawing/2010/main" val="0"/>
+              </a:ext>
+            </a:extLst>
+          </a:blip>
+          <a:srcRect/>
+          <a:stretch>
+            <a:fillRect/>
+          </a:stretch>
+        </p:blipFill>
+        <p:spPr bwMode="auto">
+          <a:xfrm>
+            <a:off x="796449" y="4563764"/>
+            <a:ext cx="2971800" cy="2647950"/>
+          </a:xfrm>
+          <a:prstGeom prst="rect">
+            <a:avLst/>
+          </a:prstGeom>
+          <a:noFill/>
+          <a:extLst>
+            <a:ext uri="{909E8E84-426E-40DD-AFC4-6F175D3DCCD1}">
+              <a14:hiddenFill xmlns:a14="http://schemas.microsoft.com/office/drawing/2010/main">
+                <a:solidFill>
+                  <a:srgbClr val="FFFFFF"/>
+                </a:solidFill>
+              </a14:hiddenFill>
+            </a:ext>
+          </a:extLst>
+        </p:spPr>
+      </p:pic>
+      <p:pic>
+        <p:nvPicPr>
+          <p:cNvPr id="4102" name="Picture 6">
+            <a:extLst>
+              <a:ext uri="{FF2B5EF4-FFF2-40B4-BE49-F238E27FC236}">
+                <a16:creationId xmlns:a16="http://schemas.microsoft.com/office/drawing/2014/main" id="{C3B1A05C-9D51-4AD1-9816-7F96B6880ABD}"/>
+              </a:ext>
+            </a:extLst>
+          </p:cNvPr>
+          <p:cNvPicPr>
+            <a:picLocks noChangeAspect="1" noChangeArrowheads="1"/>
+          </p:cNvPicPr>
+          <p:nvPr/>
+        </p:nvPicPr>
+        <p:blipFill>
+          <a:blip r:embed="rId4">
+            <a:extLst>
+              <a:ext uri="{28A0092B-C50C-407E-A947-70E740481C1C}">
+                <a14:useLocalDpi xmlns:a14="http://schemas.microsoft.com/office/drawing/2010/main" val="0"/>
+              </a:ext>
+            </a:extLst>
+          </a:blip>
+          <a:srcRect/>
+          <a:stretch>
+            <a:fillRect/>
+          </a:stretch>
+        </p:blipFill>
+        <p:spPr bwMode="auto">
+          <a:xfrm>
+            <a:off x="4664989" y="1666726"/>
+            <a:ext cx="3190875" cy="2647950"/>
+          </a:xfrm>
+          <a:prstGeom prst="rect">
+            <a:avLst/>
+          </a:prstGeom>
+          <a:noFill/>
+          <a:extLst>
+            <a:ext uri="{909E8E84-426E-40DD-AFC4-6F175D3DCCD1}">
+              <a14:hiddenFill xmlns:a14="http://schemas.microsoft.com/office/drawing/2010/main">
+                <a:solidFill>
+                  <a:srgbClr val="FFFFFF"/>
+                </a:solidFill>
+              </a14:hiddenFill>
+            </a:ext>
+          </a:extLst>
+        </p:spPr>
+      </p:pic>
+      <p:pic>
+        <p:nvPicPr>
+          <p:cNvPr id="4104" name="Picture 8">
+            <a:extLst>
+              <a:ext uri="{FF2B5EF4-FFF2-40B4-BE49-F238E27FC236}">
+                <a16:creationId xmlns:a16="http://schemas.microsoft.com/office/drawing/2014/main" id="{F6966D1F-4439-4E5F-91FA-E89C0F8DC527}"/>
+              </a:ext>
+            </a:extLst>
+          </p:cNvPr>
+          <p:cNvPicPr>
+            <a:picLocks noChangeAspect="1" noChangeArrowheads="1"/>
+          </p:cNvPicPr>
+          <p:nvPr/>
+        </p:nvPicPr>
+        <p:blipFill>
+          <a:blip r:embed="rId5">
+            <a:extLst>
+              <a:ext uri="{28A0092B-C50C-407E-A947-70E740481C1C}">
+                <a14:useLocalDpi xmlns:a14="http://schemas.microsoft.com/office/drawing/2010/main" val="0"/>
+              </a:ext>
+            </a:extLst>
+          </a:blip>
+          <a:srcRect/>
+          <a:stretch>
+            <a:fillRect/>
+          </a:stretch>
+        </p:blipFill>
+        <p:spPr bwMode="auto">
+          <a:xfrm>
+            <a:off x="4849719" y="4563764"/>
+            <a:ext cx="2971800" cy="2647950"/>
+          </a:xfrm>
+          <a:prstGeom prst="rect">
+            <a:avLst/>
+          </a:prstGeom>
+          <a:noFill/>
+          <a:extLst>
+            <a:ext uri="{909E8E84-426E-40DD-AFC4-6F175D3DCCD1}">
+              <a14:hiddenFill xmlns:a14="http://schemas.microsoft.com/office/drawing/2010/main">
+                <a:solidFill>
+                  <a:srgbClr val="FFFFFF"/>
+                </a:solidFill>
+              </a14:hiddenFill>
+            </a:ext>
+          </a:extLst>
+        </p:spPr>
+      </p:pic>
+      <p:sp>
+        <p:nvSpPr>
+          <p:cNvPr id="9" name="TextBox 8">
+            <a:extLst>
+              <a:ext uri="{FF2B5EF4-FFF2-40B4-BE49-F238E27FC236}">
+                <a16:creationId xmlns:a16="http://schemas.microsoft.com/office/drawing/2014/main" id="{B9178013-0793-4F25-907B-AFD484B6E275}"/>
+              </a:ext>
+            </a:extLst>
+          </p:cNvPr>
+          <p:cNvSpPr txBox="1"/>
+          <p:nvPr/>
+        </p:nvSpPr>
+        <p:spPr>
+          <a:xfrm>
+            <a:off x="4644008" y="755277"/>
+            <a:ext cx="3311049" cy="954107"/>
+          </a:xfrm>
+          <a:prstGeom prst="rect">
+            <a:avLst/>
+          </a:prstGeom>
+          <a:noFill/>
+        </p:spPr>
+        <p:txBody>
+          <a:bodyPr wrap="square">
+            <a:spAutoFit/>
+          </a:bodyPr>
+          <a:lstStyle/>
+          <a:p>
+            <a:r>
+              <a:rPr kumimoji="0" lang="en-SG" sz="2800" b="1" i="0" u="none" strike="noStrike" kern="1200" cap="none" spc="0" normalizeH="0" baseline="0" noProof="0" dirty="0">
+                <a:ln>
+                  <a:noFill/>
+                </a:ln>
+                <a:solidFill>
+                  <a:prstClr val="black"/>
+                </a:solidFill>
+                <a:effectLst/>
+                <a:uLnTx/>
+                <a:uFillTx/>
+                <a:latin typeface="Calibri"/>
+                <a:ea typeface="+mj-ea"/>
+                <a:cs typeface="+mj-cs"/>
+              </a:rPr>
+              <a:t>Confusion Matrix of </a:t>
+            </a:r>
+            <a:r>
+              <a:rPr lang="en-SG" sz="2800" b="1" dirty="0">
+                <a:solidFill>
+                  <a:prstClr val="black"/>
+                </a:solidFill>
+                <a:latin typeface="Calibri"/>
+                <a:ea typeface="+mj-ea"/>
+                <a:cs typeface="+mj-cs"/>
+              </a:rPr>
+              <a:t>Naive</a:t>
+            </a:r>
+            <a:r>
+              <a:rPr kumimoji="0" lang="en-SG" sz="2800" b="1" i="0" u="none" strike="noStrike" kern="1200" cap="none" spc="0" normalizeH="0" baseline="0" noProof="0" dirty="0">
+                <a:ln>
+                  <a:noFill/>
+                </a:ln>
+                <a:solidFill>
+                  <a:prstClr val="black"/>
+                </a:solidFill>
+                <a:effectLst/>
+                <a:uLnTx/>
+                <a:uFillTx/>
+                <a:latin typeface="Calibri"/>
+                <a:ea typeface="+mj-ea"/>
+                <a:cs typeface="+mj-cs"/>
+              </a:rPr>
+              <a:t> Bayer</a:t>
+            </a:r>
+            <a:endParaRPr lang="en-SG" sz="2800" b="1" dirty="0"/>
+          </a:p>
+        </p:txBody>
+      </p:sp>
+    </p:spTree>
+    <p:extLst>
+      <p:ext uri="{BB962C8B-B14F-4D97-AF65-F5344CB8AC3E}">
+        <p14:creationId xmlns:p14="http://schemas.microsoft.com/office/powerpoint/2010/main" val="830507316"/>
+      </p:ext>
+    </p:extLst>
+  </p:cSld>
+  <p:clrMapOvr>
+    <a:masterClrMapping/>
+  </p:clrMapOvr>
+</p:sld>
+</file>
+
+<file path=ppt/slides/slide11.xml><?xml version="1.0" encoding="utf-8"?>
+<p:sld xmlns:a="http://schemas.openxmlformats.org/drawingml/2006/main" xmlns:r="http://schemas.openxmlformats.org/officeDocument/2006/relationships" xmlns:p="http://schemas.openxmlformats.org/presentationml/2006/main">
+  <p:cSld>
+    <p:spTree>
+      <p:nvGrpSpPr>
+        <p:cNvPr id="1" name=""/>
+        <p:cNvGrpSpPr/>
+        <p:nvPr/>
+      </p:nvGrpSpPr>
+      <p:grpSpPr>
+        <a:xfrm>
+          <a:off x="0" y="0"/>
+          <a:ext cx="0" cy="0"/>
+          <a:chOff x="0" y="0"/>
+          <a:chExt cx="0" cy="0"/>
+        </a:xfrm>
+      </p:grpSpPr>
+      <p:sp>
+        <p:nvSpPr>
+          <p:cNvPr id="2" name="Title 1">
+            <a:extLst>
+              <a:ext uri="{FF2B5EF4-FFF2-40B4-BE49-F238E27FC236}">
+                <a16:creationId xmlns:a16="http://schemas.microsoft.com/office/drawing/2014/main" id="{C814B85F-EE0E-44F1-83EF-52F32B845F83}"/>
+              </a:ext>
+            </a:extLst>
+          </p:cNvPr>
+          <p:cNvSpPr>
+            <a:spLocks noGrp="1"/>
+          </p:cNvSpPr>
+          <p:nvPr>
+            <p:ph type="title"/>
+          </p:nvPr>
+        </p:nvSpPr>
+        <p:spPr/>
+        <p:txBody>
+          <a:bodyPr>
+            <a:normAutofit/>
+          </a:bodyPr>
+          <a:lstStyle/>
+          <a:p>
+            <a:r>
+              <a:rPr lang="en-SG" sz="2800" b="1" dirty="0"/>
+              <a:t>ROC AUC CURVE</a:t>
+            </a:r>
+          </a:p>
+        </p:txBody>
+      </p:sp>
+      <p:pic>
+        <p:nvPicPr>
+          <p:cNvPr id="7170" name="Picture 2">
+            <a:extLst>
+              <a:ext uri="{FF2B5EF4-FFF2-40B4-BE49-F238E27FC236}">
+                <a16:creationId xmlns:a16="http://schemas.microsoft.com/office/drawing/2014/main" id="{DDE4E1C6-96EB-4098-919F-182ACCA5D274}"/>
+              </a:ext>
+            </a:extLst>
+          </p:cNvPr>
+          <p:cNvPicPr>
+            <a:picLocks noChangeAspect="1" noChangeArrowheads="1"/>
+          </p:cNvPicPr>
+          <p:nvPr/>
+        </p:nvPicPr>
+        <p:blipFill>
+          <a:blip r:embed="rId2">
+            <a:extLst>
+              <a:ext uri="{28A0092B-C50C-407E-A947-70E740481C1C}">
+                <a14:useLocalDpi xmlns:a14="http://schemas.microsoft.com/office/drawing/2010/main" val="0"/>
+              </a:ext>
+            </a:extLst>
+          </a:blip>
+          <a:srcRect/>
+          <a:stretch>
+            <a:fillRect/>
+          </a:stretch>
+        </p:blipFill>
+        <p:spPr bwMode="auto">
+          <a:xfrm>
+            <a:off x="1148116" y="1772816"/>
+            <a:ext cx="5010150" cy="3690543"/>
+          </a:xfrm>
+          <a:prstGeom prst="rect">
+            <a:avLst/>
+          </a:prstGeom>
+          <a:noFill/>
+          <a:extLst>
+            <a:ext uri="{909E8E84-426E-40DD-AFC4-6F175D3DCCD1}">
+              <a14:hiddenFill xmlns:a14="http://schemas.microsoft.com/office/drawing/2010/main">
+                <a:solidFill>
+                  <a:srgbClr val="FFFFFF"/>
+                </a:solidFill>
+              </a14:hiddenFill>
+            </a:ext>
+          </a:extLst>
+        </p:spPr>
+      </p:pic>
+      <p:sp>
+        <p:nvSpPr>
+          <p:cNvPr id="4" name="TextBox 3">
+            <a:extLst>
+              <a:ext uri="{FF2B5EF4-FFF2-40B4-BE49-F238E27FC236}">
+                <a16:creationId xmlns:a16="http://schemas.microsoft.com/office/drawing/2014/main" id="{BF70C534-0531-4F89-A5CD-268780C5658B}"/>
+              </a:ext>
+            </a:extLst>
+          </p:cNvPr>
+          <p:cNvSpPr txBox="1"/>
+          <p:nvPr/>
+        </p:nvSpPr>
+        <p:spPr>
+          <a:xfrm>
+            <a:off x="6300192" y="2492896"/>
+            <a:ext cx="1872208" cy="1477328"/>
+          </a:xfrm>
+          <a:prstGeom prst="rect">
+            <a:avLst/>
+          </a:prstGeom>
+          <a:noFill/>
+        </p:spPr>
+        <p:txBody>
+          <a:bodyPr wrap="square" rtlCol="0">
+            <a:spAutoFit/>
+          </a:bodyPr>
+          <a:lstStyle/>
+          <a:p>
+            <a:r>
+              <a:rPr lang="en-SG" b="1" dirty="0"/>
+              <a:t>Higher AUC is capable of distinguishing between the classed </a:t>
+            </a:r>
+          </a:p>
+        </p:txBody>
+      </p:sp>
+    </p:spTree>
+    <p:extLst>
+      <p:ext uri="{BB962C8B-B14F-4D97-AF65-F5344CB8AC3E}">
+        <p14:creationId xmlns:p14="http://schemas.microsoft.com/office/powerpoint/2010/main" val="4024036426"/>
+      </p:ext>
+    </p:extLst>
+  </p:cSld>
+  <p:clrMapOvr>
+    <a:masterClrMapping/>
+  </p:clrMapOvr>
+</p:sld>
+</file>
+
+<file path=ppt/slides/slide12.xml><?xml version="1.0" encoding="utf-8"?>
+<p:sld xmlns:a="http://schemas.openxmlformats.org/drawingml/2006/main" xmlns:r="http://schemas.openxmlformats.org/officeDocument/2006/relationships" xmlns:p="http://schemas.openxmlformats.org/presentationml/2006/main">
+  <p:cSld>
+    <p:spTree>
+      <p:nvGrpSpPr>
+        <p:cNvPr id="1" name=""/>
+        <p:cNvGrpSpPr/>
+        <p:nvPr/>
+      </p:nvGrpSpPr>
+      <p:grpSpPr>
+        <a:xfrm>
+          <a:off x="0" y="0"/>
+          <a:ext cx="0" cy="0"/>
+          <a:chOff x="0" y="0"/>
+          <a:chExt cx="0" cy="0"/>
+        </a:xfrm>
+      </p:grpSpPr>
+      <p:sp>
+        <p:nvSpPr>
+          <p:cNvPr id="2" name="Title 1">
+            <a:extLst>
+              <a:ext uri="{FF2B5EF4-FFF2-40B4-BE49-F238E27FC236}">
                 <a16:creationId xmlns:a16="http://schemas.microsoft.com/office/drawing/2014/main" id="{20A5D61D-916D-41AE-BED1-6EA3B6BD0C60}"/>
               </a:ext>
             </a:extLst>
@@ -9542,7 +10021,7 @@
 </p:sld>
 </file>
 
-<file path=ppt/slides/slide11.xml><?xml version="1.0" encoding="utf-8"?>
+<file path=ppt/slides/slide13.xml><?xml version="1.0" encoding="utf-8"?>
 <p:sld xmlns:a="http://schemas.openxmlformats.org/drawingml/2006/main" xmlns:r="http://schemas.openxmlformats.org/officeDocument/2006/relationships" xmlns:p="http://schemas.openxmlformats.org/presentationml/2006/main">
   <p:cSld>
     <p:bg>
@@ -10192,7 +10671,7 @@
 </p:sld>
 </file>
 
-<file path=ppt/slides/slide12.xml><?xml version="1.0" encoding="utf-8"?>
+<file path=ppt/slides/slide14.xml><?xml version="1.0" encoding="utf-8"?>
 <p:sld xmlns:a="http://schemas.openxmlformats.org/drawingml/2006/main" xmlns:r="http://schemas.openxmlformats.org/officeDocument/2006/relationships" xmlns:p="http://schemas.openxmlformats.org/presentationml/2006/main">
   <p:cSld>
     <p:spTree>
@@ -10461,6 +10940,83 @@
 </file>
 
 <file path=ppt/slides/slide3.xml><?xml version="1.0" encoding="utf-8"?>
+<p:sld xmlns:a="http://schemas.openxmlformats.org/drawingml/2006/main" xmlns:r="http://schemas.openxmlformats.org/officeDocument/2006/relationships" xmlns:p="http://schemas.openxmlformats.org/presentationml/2006/main">
+  <p:cSld>
+    <p:spTree>
+      <p:nvGrpSpPr>
+        <p:cNvPr id="1" name=""/>
+        <p:cNvGrpSpPr/>
+        <p:nvPr/>
+      </p:nvGrpSpPr>
+      <p:grpSpPr>
+        <a:xfrm>
+          <a:off x="0" y="0"/>
+          <a:ext cx="0" cy="0"/>
+          <a:chOff x="0" y="0"/>
+          <a:chExt cx="0" cy="0"/>
+        </a:xfrm>
+      </p:grpSpPr>
+      <p:pic>
+        <p:nvPicPr>
+          <p:cNvPr id="8194" name="Picture 2">
+            <a:extLst>
+              <a:ext uri="{FF2B5EF4-FFF2-40B4-BE49-F238E27FC236}">
+                <a16:creationId xmlns:a16="http://schemas.microsoft.com/office/drawing/2014/main" id="{13C4DB47-5CE9-41F6-AFFE-0584D3079998}"/>
+              </a:ext>
+            </a:extLst>
+          </p:cNvPr>
+          <p:cNvPicPr>
+            <a:picLocks noChangeAspect="1" noChangeArrowheads="1"/>
+          </p:cNvPicPr>
+          <p:nvPr/>
+        </p:nvPicPr>
+        <p:blipFill>
+          <a:blip r:embed="rId2">
+            <a:extLst>
+              <a:ext uri="{28A0092B-C50C-407E-A947-70E740481C1C}">
+                <a14:useLocalDpi xmlns:a14="http://schemas.microsoft.com/office/drawing/2010/main" val="0"/>
+              </a:ext>
+            </a:extLst>
+          </a:blip>
+          <a:srcRect/>
+          <a:stretch>
+            <a:fillRect/>
+          </a:stretch>
+        </p:blipFill>
+        <p:spPr bwMode="auto">
+          <a:xfrm>
+            <a:off x="971600" y="1496293"/>
+            <a:ext cx="6638875" cy="3865414"/>
+          </a:xfrm>
+          <a:prstGeom prst="rect">
+            <a:avLst/>
+          </a:prstGeom>
+          <a:noFill/>
+          <a:extLst>
+            <a:ext uri="{909E8E84-426E-40DD-AFC4-6F175D3DCCD1}">
+              <a14:hiddenFill xmlns:a14="http://schemas.microsoft.com/office/drawing/2010/main">
+                <a:solidFill>
+                  <a:srgbClr val="FFFFFF"/>
+                </a:solidFill>
+              </a14:hiddenFill>
+            </a:ext>
+          </a:extLst>
+        </p:spPr>
+      </p:pic>
+    </p:spTree>
+    <p:extLst>
+      <p:ext uri="{BB962C8B-B14F-4D97-AF65-F5344CB8AC3E}">
+        <p14:creationId xmlns:p14="http://schemas.microsoft.com/office/powerpoint/2010/main" val="2241505249"/>
+      </p:ext>
+    </p:extLst>
+  </p:cSld>
+  <p:clrMapOvr>
+    <a:masterClrMapping/>
+  </p:clrMapOvr>
+</p:sld>
+</file>
+
+<file path=ppt/slides/slide4.xml><?xml version="1.0" encoding="utf-8"?>
 <p:sld xmlns:a="http://schemas.openxmlformats.org/drawingml/2006/main" xmlns:r="http://schemas.openxmlformats.org/officeDocument/2006/relationships" xmlns:p="http://schemas.openxmlformats.org/presentationml/2006/main">
   <p:cSld>
     <p:bg>
@@ -10645,7 +11201,7 @@
 </p:sld>
 </file>
 
-<file path=ppt/slides/slide4.xml><?xml version="1.0" encoding="utf-8"?>
+<file path=ppt/slides/slide5.xml><?xml version="1.0" encoding="utf-8"?>
 <p:sld xmlns:a="http://schemas.openxmlformats.org/drawingml/2006/main" xmlns:r="http://schemas.openxmlformats.org/officeDocument/2006/relationships" xmlns:p="http://schemas.openxmlformats.org/presentationml/2006/main">
   <p:cSld>
     <p:spTree>
@@ -10871,7 +11427,7 @@
 </p:sld>
 </file>
 
-<file path=ppt/slides/slide5.xml><?xml version="1.0" encoding="utf-8"?>
+<file path=ppt/slides/slide6.xml><?xml version="1.0" encoding="utf-8"?>
 <p:sld xmlns:a="http://schemas.openxmlformats.org/drawingml/2006/main" xmlns:r="http://schemas.openxmlformats.org/officeDocument/2006/relationships" xmlns:p="http://schemas.openxmlformats.org/presentationml/2006/main">
   <p:cSld>
     <p:spTree>
@@ -11366,7 +11922,7 @@
 </p:sld>
 </file>
 
-<file path=ppt/slides/slide6.xml><?xml version="1.0" encoding="utf-8"?>
+<file path=ppt/slides/slide7.xml><?xml version="1.0" encoding="utf-8"?>
 <p:sld xmlns:a="http://schemas.openxmlformats.org/drawingml/2006/main" xmlns:r="http://schemas.openxmlformats.org/officeDocument/2006/relationships" xmlns:p="http://schemas.openxmlformats.org/presentationml/2006/main">
   <p:cSld>
     <p:spTree>
@@ -11476,7 +12032,7 @@
 </p:sld>
 </file>
 
-<file path=ppt/slides/slide7.xml><?xml version="1.0" encoding="utf-8"?>
+<file path=ppt/slides/slide8.xml><?xml version="1.0" encoding="utf-8"?>
 <p:sld xmlns:a="http://schemas.openxmlformats.org/drawingml/2006/main" xmlns:r="http://schemas.openxmlformats.org/officeDocument/2006/relationships" xmlns:p="http://schemas.openxmlformats.org/presentationml/2006/main">
   <p:cSld>
     <p:spTree>
@@ -11565,7 +12121,7 @@
 </p:sld>
 </file>
 
-<file path=ppt/slides/slide8.xml><?xml version="1.0" encoding="utf-8"?>
+<file path=ppt/slides/slide9.xml><?xml version="1.0" encoding="utf-8"?>
 <p:sld xmlns:a="http://schemas.openxmlformats.org/drawingml/2006/main" xmlns:r="http://schemas.openxmlformats.org/officeDocument/2006/relationships" xmlns:p="http://schemas.openxmlformats.org/presentationml/2006/main">
   <p:cSld>
     <p:spTree>
@@ -11712,339 +12268,6 @@
     <p:extLst>
       <p:ext uri="{BB962C8B-B14F-4D97-AF65-F5344CB8AC3E}">
         <p14:creationId xmlns:p14="http://schemas.microsoft.com/office/powerpoint/2010/main" val="2336619234"/>
-      </p:ext>
-    </p:extLst>
-  </p:cSld>
-  <p:clrMapOvr>
-    <a:masterClrMapping/>
-  </p:clrMapOvr>
-</p:sld>
-</file>
-
-<file path=ppt/slides/slide9.xml><?xml version="1.0" encoding="utf-8"?>
-<p:sld xmlns:a="http://schemas.openxmlformats.org/drawingml/2006/main" xmlns:r="http://schemas.openxmlformats.org/officeDocument/2006/relationships" xmlns:p="http://schemas.openxmlformats.org/presentationml/2006/main">
-  <p:cSld>
-    <p:spTree>
-      <p:nvGrpSpPr>
-        <p:cNvPr id="1" name=""/>
-        <p:cNvGrpSpPr/>
-        <p:nvPr/>
-      </p:nvGrpSpPr>
-      <p:grpSpPr>
-        <a:xfrm>
-          <a:off x="0" y="0"/>
-          <a:ext cx="0" cy="0"/>
-          <a:chOff x="0" y="0"/>
-          <a:chExt cx="0" cy="0"/>
-        </a:xfrm>
-      </p:grpSpPr>
-      <p:sp>
-        <p:nvSpPr>
-          <p:cNvPr id="2" name="Title 1">
-            <a:extLst>
-              <a:ext uri="{FF2B5EF4-FFF2-40B4-BE49-F238E27FC236}">
-                <a16:creationId xmlns:a16="http://schemas.microsoft.com/office/drawing/2014/main" id="{D42ADC00-9ED8-44EA-A034-449F691F811C}"/>
-              </a:ext>
-            </a:extLst>
-          </p:cNvPr>
-          <p:cNvSpPr>
-            <a:spLocks noGrp="1"/>
-          </p:cNvSpPr>
-          <p:nvPr>
-            <p:ph type="title"/>
-          </p:nvPr>
-        </p:nvSpPr>
-        <p:spPr>
-          <a:xfrm>
-            <a:off x="457200" y="845840"/>
-            <a:ext cx="4087615" cy="1143000"/>
-          </a:xfrm>
-        </p:spPr>
-        <p:txBody>
-          <a:bodyPr>
-            <a:normAutofit/>
-          </a:bodyPr>
-          <a:lstStyle/>
-          <a:p>
-            <a:r>
-              <a:rPr lang="en-SG" sz="2800" b="1" dirty="0">
-                <a:latin typeface="Calibri" panose="020F0502020204030204" pitchFamily="34" charset="0"/>
-                <a:cs typeface="Calibri" panose="020F0502020204030204" pitchFamily="34" charset="0"/>
-              </a:rPr>
-              <a:t>Confusion Matrix of Logistic Regression</a:t>
-            </a:r>
-          </a:p>
-        </p:txBody>
-      </p:sp>
-      <p:pic>
-        <p:nvPicPr>
-          <p:cNvPr id="4098" name="Picture 2">
-            <a:extLst>
-              <a:ext uri="{FF2B5EF4-FFF2-40B4-BE49-F238E27FC236}">
-                <a16:creationId xmlns:a16="http://schemas.microsoft.com/office/drawing/2014/main" id="{4921F2CD-D45A-4952-9C3F-1F24D9B33C5B}"/>
-              </a:ext>
-            </a:extLst>
-          </p:cNvPr>
-          <p:cNvPicPr>
-            <a:picLocks noChangeAspect="1" noChangeArrowheads="1"/>
-          </p:cNvPicPr>
-          <p:nvPr/>
-        </p:nvPicPr>
-        <p:blipFill>
-          <a:blip r:embed="rId2">
-            <a:extLst>
-              <a:ext uri="{28A0092B-C50C-407E-A947-70E740481C1C}">
-                <a14:useLocalDpi xmlns:a14="http://schemas.microsoft.com/office/drawing/2010/main" val="0"/>
-              </a:ext>
-            </a:extLst>
-          </a:blip>
-          <a:srcRect/>
-          <a:stretch>
-            <a:fillRect/>
-          </a:stretch>
-        </p:blipFill>
-        <p:spPr bwMode="auto">
-          <a:xfrm>
-            <a:off x="733150" y="1666726"/>
-            <a:ext cx="3057525" cy="2647950"/>
-          </a:xfrm>
-          <a:prstGeom prst="rect">
-            <a:avLst/>
-          </a:prstGeom>
-          <a:noFill/>
-          <a:extLst>
-            <a:ext uri="{909E8E84-426E-40DD-AFC4-6F175D3DCCD1}">
-              <a14:hiddenFill xmlns:a14="http://schemas.microsoft.com/office/drawing/2010/main">
-                <a:solidFill>
-                  <a:srgbClr val="FFFFFF"/>
-                </a:solidFill>
-              </a14:hiddenFill>
-            </a:ext>
-          </a:extLst>
-        </p:spPr>
-      </p:pic>
-      <p:pic>
-        <p:nvPicPr>
-          <p:cNvPr id="4100" name="Picture 4">
-            <a:extLst>
-              <a:ext uri="{FF2B5EF4-FFF2-40B4-BE49-F238E27FC236}">
-                <a16:creationId xmlns:a16="http://schemas.microsoft.com/office/drawing/2014/main" id="{199DAB07-A253-4156-A508-0D258C8B3899}"/>
-              </a:ext>
-            </a:extLst>
-          </p:cNvPr>
-          <p:cNvPicPr>
-            <a:picLocks noChangeAspect="1" noChangeArrowheads="1"/>
-          </p:cNvPicPr>
-          <p:nvPr/>
-        </p:nvPicPr>
-        <p:blipFill>
-          <a:blip r:embed="rId3">
-            <a:extLst>
-              <a:ext uri="{28A0092B-C50C-407E-A947-70E740481C1C}">
-                <a14:useLocalDpi xmlns:a14="http://schemas.microsoft.com/office/drawing/2010/main" val="0"/>
-              </a:ext>
-            </a:extLst>
-          </a:blip>
-          <a:srcRect/>
-          <a:stretch>
-            <a:fillRect/>
-          </a:stretch>
-        </p:blipFill>
-        <p:spPr bwMode="auto">
-          <a:xfrm>
-            <a:off x="796449" y="4563764"/>
-            <a:ext cx="2971800" cy="2647950"/>
-          </a:xfrm>
-          <a:prstGeom prst="rect">
-            <a:avLst/>
-          </a:prstGeom>
-          <a:noFill/>
-          <a:extLst>
-            <a:ext uri="{909E8E84-426E-40DD-AFC4-6F175D3DCCD1}">
-              <a14:hiddenFill xmlns:a14="http://schemas.microsoft.com/office/drawing/2010/main">
-                <a:solidFill>
-                  <a:srgbClr val="FFFFFF"/>
-                </a:solidFill>
-              </a14:hiddenFill>
-            </a:ext>
-          </a:extLst>
-        </p:spPr>
-      </p:pic>
-      <p:pic>
-        <p:nvPicPr>
-          <p:cNvPr id="4102" name="Picture 6">
-            <a:extLst>
-              <a:ext uri="{FF2B5EF4-FFF2-40B4-BE49-F238E27FC236}">
-                <a16:creationId xmlns:a16="http://schemas.microsoft.com/office/drawing/2014/main" id="{C3B1A05C-9D51-4AD1-9816-7F96B6880ABD}"/>
-              </a:ext>
-            </a:extLst>
-          </p:cNvPr>
-          <p:cNvPicPr>
-            <a:picLocks noChangeAspect="1" noChangeArrowheads="1"/>
-          </p:cNvPicPr>
-          <p:nvPr/>
-        </p:nvPicPr>
-        <p:blipFill>
-          <a:blip r:embed="rId4">
-            <a:extLst>
-              <a:ext uri="{28A0092B-C50C-407E-A947-70E740481C1C}">
-                <a14:useLocalDpi xmlns:a14="http://schemas.microsoft.com/office/drawing/2010/main" val="0"/>
-              </a:ext>
-            </a:extLst>
-          </a:blip>
-          <a:srcRect/>
-          <a:stretch>
-            <a:fillRect/>
-          </a:stretch>
-        </p:blipFill>
-        <p:spPr bwMode="auto">
-          <a:xfrm>
-            <a:off x="4664989" y="1666726"/>
-            <a:ext cx="3190875" cy="2647950"/>
-          </a:xfrm>
-          <a:prstGeom prst="rect">
-            <a:avLst/>
-          </a:prstGeom>
-          <a:noFill/>
-          <a:extLst>
-            <a:ext uri="{909E8E84-426E-40DD-AFC4-6F175D3DCCD1}">
-              <a14:hiddenFill xmlns:a14="http://schemas.microsoft.com/office/drawing/2010/main">
-                <a:solidFill>
-                  <a:srgbClr val="FFFFFF"/>
-                </a:solidFill>
-              </a14:hiddenFill>
-            </a:ext>
-          </a:extLst>
-        </p:spPr>
-      </p:pic>
-      <p:pic>
-        <p:nvPicPr>
-          <p:cNvPr id="4104" name="Picture 8">
-            <a:extLst>
-              <a:ext uri="{FF2B5EF4-FFF2-40B4-BE49-F238E27FC236}">
-                <a16:creationId xmlns:a16="http://schemas.microsoft.com/office/drawing/2014/main" id="{F6966D1F-4439-4E5F-91FA-E89C0F8DC527}"/>
-              </a:ext>
-            </a:extLst>
-          </p:cNvPr>
-          <p:cNvPicPr>
-            <a:picLocks noChangeAspect="1" noChangeArrowheads="1"/>
-          </p:cNvPicPr>
-          <p:nvPr/>
-        </p:nvPicPr>
-        <p:blipFill>
-          <a:blip r:embed="rId5">
-            <a:extLst>
-              <a:ext uri="{28A0092B-C50C-407E-A947-70E740481C1C}">
-                <a14:useLocalDpi xmlns:a14="http://schemas.microsoft.com/office/drawing/2010/main" val="0"/>
-              </a:ext>
-            </a:extLst>
-          </a:blip>
-          <a:srcRect/>
-          <a:stretch>
-            <a:fillRect/>
-          </a:stretch>
-        </p:blipFill>
-        <p:spPr bwMode="auto">
-          <a:xfrm>
-            <a:off x="4849719" y="4563764"/>
-            <a:ext cx="2971800" cy="2647950"/>
-          </a:xfrm>
-          <a:prstGeom prst="rect">
-            <a:avLst/>
-          </a:prstGeom>
-          <a:noFill/>
-          <a:extLst>
-            <a:ext uri="{909E8E84-426E-40DD-AFC4-6F175D3DCCD1}">
-              <a14:hiddenFill xmlns:a14="http://schemas.microsoft.com/office/drawing/2010/main">
-                <a:solidFill>
-                  <a:srgbClr val="FFFFFF"/>
-                </a:solidFill>
-              </a14:hiddenFill>
-            </a:ext>
-          </a:extLst>
-        </p:spPr>
-      </p:pic>
-      <p:sp>
-        <p:nvSpPr>
-          <p:cNvPr id="9" name="TextBox 8">
-            <a:extLst>
-              <a:ext uri="{FF2B5EF4-FFF2-40B4-BE49-F238E27FC236}">
-                <a16:creationId xmlns:a16="http://schemas.microsoft.com/office/drawing/2014/main" id="{B9178013-0793-4F25-907B-AFD484B6E275}"/>
-              </a:ext>
-            </a:extLst>
-          </p:cNvPr>
-          <p:cNvSpPr txBox="1"/>
-          <p:nvPr/>
-        </p:nvSpPr>
-        <p:spPr>
-          <a:xfrm>
-            <a:off x="4644008" y="755277"/>
-            <a:ext cx="3311049" cy="954107"/>
-          </a:xfrm>
-          <a:prstGeom prst="rect">
-            <a:avLst/>
-          </a:prstGeom>
-          <a:noFill/>
-        </p:spPr>
-        <p:txBody>
-          <a:bodyPr wrap="square">
-            <a:spAutoFit/>
-          </a:bodyPr>
-          <a:lstStyle/>
-          <a:p>
-            <a:r>
-              <a:rPr kumimoji="0" lang="en-SG" sz="2800" b="1" i="0" u="none" strike="noStrike" kern="1200" cap="none" spc="0" normalizeH="0" baseline="0" noProof="0" dirty="0">
-                <a:ln>
-                  <a:noFill/>
-                </a:ln>
-                <a:solidFill>
-                  <a:prstClr val="black"/>
-                </a:solidFill>
-                <a:effectLst/>
-                <a:uLnTx/>
-                <a:uFillTx/>
-                <a:latin typeface="Calibri"/>
-                <a:ea typeface="+mj-ea"/>
-                <a:cs typeface="+mj-cs"/>
-              </a:rPr>
-              <a:t>Confusion Matrix of </a:t>
-            </a:r>
-            <a:r>
-              <a:rPr lang="en-SG" sz="2800" b="1" dirty="0">
-                <a:solidFill>
-                  <a:prstClr val="black"/>
-                </a:solidFill>
-                <a:latin typeface="Calibri"/>
-                <a:ea typeface="+mj-ea"/>
-                <a:cs typeface="+mj-cs"/>
-              </a:rPr>
-              <a:t>Naive</a:t>
-            </a:r>
-            <a:r>
-              <a:rPr kumimoji="0" lang="en-SG" sz="2800" b="1" i="0" u="none" strike="noStrike" kern="1200" cap="none" spc="0" normalizeH="0" baseline="0" noProof="0" dirty="0">
-                <a:ln>
-                  <a:noFill/>
-                </a:ln>
-                <a:solidFill>
-                  <a:prstClr val="black"/>
-                </a:solidFill>
-                <a:effectLst/>
-                <a:uLnTx/>
-                <a:uFillTx/>
-                <a:latin typeface="Calibri"/>
-                <a:ea typeface="+mj-ea"/>
-                <a:cs typeface="+mj-cs"/>
-              </a:rPr>
-              <a:t> Bayer</a:t>
-            </a:r>
-            <a:endParaRPr lang="en-SG" sz="2800" b="1" dirty="0"/>
-          </a:p>
-        </p:txBody>
-      </p:sp>
-    </p:spTree>
-    <p:extLst>
-      <p:ext uri="{BB962C8B-B14F-4D97-AF65-F5344CB8AC3E}">
-        <p14:creationId xmlns:p14="http://schemas.microsoft.com/office/powerpoint/2010/main" val="830507316"/>
       </p:ext>
     </p:extLst>
   </p:cSld>
